--- a/Inicio.pptx
+++ b/Inicio.pptx
@@ -8,8 +8,6 @@
     <p:sldId id="256" r:id="rId2"/>
     <p:sldId id="257" r:id="rId3"/>
     <p:sldId id="258" r:id="rId4"/>
-    <p:sldId id="259" r:id="rId5"/>
-    <p:sldId id="260" r:id="rId6"/>
   </p:sldIdLst>
   <p:sldSz cx="12192000" cy="6858000"/>
   <p:notesSz cx="6858000" cy="9144000"/>
@@ -247,7 +245,7 @@
           <a:p>
             <a:fld id="{6B745F55-630C-4AA5-9EC8-C3FE928E599A}" type="datetimeFigureOut">
               <a:rPr lang="en-US" smtClean="0"/>
-              <a:t>10/13/2022</a:t>
+              <a:t>9/20/2023</a:t>
             </a:fld>
             <a:endParaRPr lang="en-US"/>
           </a:p>
@@ -417,7 +415,7 @@
           <a:p>
             <a:fld id="{6B745F55-630C-4AA5-9EC8-C3FE928E599A}" type="datetimeFigureOut">
               <a:rPr lang="en-US" smtClean="0"/>
-              <a:t>10/13/2022</a:t>
+              <a:t>9/20/2023</a:t>
             </a:fld>
             <a:endParaRPr lang="en-US"/>
           </a:p>
@@ -597,7 +595,7 @@
           <a:p>
             <a:fld id="{6B745F55-630C-4AA5-9EC8-C3FE928E599A}" type="datetimeFigureOut">
               <a:rPr lang="en-US" smtClean="0"/>
-              <a:t>10/13/2022</a:t>
+              <a:t>9/20/2023</a:t>
             </a:fld>
             <a:endParaRPr lang="en-US"/>
           </a:p>
@@ -767,7 +765,7 @@
           <a:p>
             <a:fld id="{6B745F55-630C-4AA5-9EC8-C3FE928E599A}" type="datetimeFigureOut">
               <a:rPr lang="en-US" smtClean="0"/>
-              <a:t>10/13/2022</a:t>
+              <a:t>9/20/2023</a:t>
             </a:fld>
             <a:endParaRPr lang="en-US"/>
           </a:p>
@@ -1013,7 +1011,7 @@
           <a:p>
             <a:fld id="{6B745F55-630C-4AA5-9EC8-C3FE928E599A}" type="datetimeFigureOut">
               <a:rPr lang="en-US" smtClean="0"/>
-              <a:t>10/13/2022</a:t>
+              <a:t>9/20/2023</a:t>
             </a:fld>
             <a:endParaRPr lang="en-US"/>
           </a:p>
@@ -1245,7 +1243,7 @@
           <a:p>
             <a:fld id="{6B745F55-630C-4AA5-9EC8-C3FE928E599A}" type="datetimeFigureOut">
               <a:rPr lang="en-US" smtClean="0"/>
-              <a:t>10/13/2022</a:t>
+              <a:t>9/20/2023</a:t>
             </a:fld>
             <a:endParaRPr lang="en-US"/>
           </a:p>
@@ -1612,7 +1610,7 @@
           <a:p>
             <a:fld id="{6B745F55-630C-4AA5-9EC8-C3FE928E599A}" type="datetimeFigureOut">
               <a:rPr lang="en-US" smtClean="0"/>
-              <a:t>10/13/2022</a:t>
+              <a:t>9/20/2023</a:t>
             </a:fld>
             <a:endParaRPr lang="en-US"/>
           </a:p>
@@ -1730,7 +1728,7 @@
           <a:p>
             <a:fld id="{6B745F55-630C-4AA5-9EC8-C3FE928E599A}" type="datetimeFigureOut">
               <a:rPr lang="en-US" smtClean="0"/>
-              <a:t>10/13/2022</a:t>
+              <a:t>9/20/2023</a:t>
             </a:fld>
             <a:endParaRPr lang="en-US"/>
           </a:p>
@@ -1825,7 +1823,7 @@
           <a:p>
             <a:fld id="{6B745F55-630C-4AA5-9EC8-C3FE928E599A}" type="datetimeFigureOut">
               <a:rPr lang="en-US" smtClean="0"/>
-              <a:t>10/13/2022</a:t>
+              <a:t>9/20/2023</a:t>
             </a:fld>
             <a:endParaRPr lang="en-US"/>
           </a:p>
@@ -2102,7 +2100,7 @@
           <a:p>
             <a:fld id="{6B745F55-630C-4AA5-9EC8-C3FE928E599A}" type="datetimeFigureOut">
               <a:rPr lang="en-US" smtClean="0"/>
-              <a:t>10/13/2022</a:t>
+              <a:t>9/20/2023</a:t>
             </a:fld>
             <a:endParaRPr lang="en-US"/>
           </a:p>
@@ -2355,7 +2353,7 @@
           <a:p>
             <a:fld id="{6B745F55-630C-4AA5-9EC8-C3FE928E599A}" type="datetimeFigureOut">
               <a:rPr lang="en-US" smtClean="0"/>
-              <a:t>10/13/2022</a:t>
+              <a:t>9/20/2023</a:t>
             </a:fld>
             <a:endParaRPr lang="en-US"/>
           </a:p>
@@ -2568,7 +2566,7 @@
           <a:p>
             <a:fld id="{6B745F55-630C-4AA5-9EC8-C3FE928E599A}" type="datetimeFigureOut">
               <a:rPr lang="en-US" smtClean="0"/>
-              <a:t>10/13/2022</a:t>
+              <a:t>9/20/2023</a:t>
             </a:fld>
             <a:endParaRPr lang="en-US"/>
           </a:p>
@@ -3116,16 +3114,12 @@
               <a:t> </a:t>
             </a:r>
             <a:r>
-              <a:rPr lang="en-US" dirty="0" err="1" smtClean="0"/>
-              <a:t>donde</a:t>
-            </a:r>
-            <a:r>
-              <a:rPr lang="en-US" dirty="0" smtClean="0"/>
-              <a:t> se </a:t>
-            </a:r>
-            <a:r>
-              <a:rPr lang="en-US" dirty="0" err="1" smtClean="0"/>
-              <a:t>realiza</a:t>
+              <a:rPr lang="en-US" dirty="0" smtClean="0"/>
+              <a:t>que </a:t>
+            </a:r>
+            <a:r>
+              <a:rPr lang="en-US" dirty="0" err="1" smtClean="0"/>
+              <a:t>contiene</a:t>
             </a:r>
             <a:r>
               <a:rPr lang="en-US" dirty="0" smtClean="0"/>
@@ -3133,15 +3127,39 @@
             </a:r>
             <a:r>
               <a:rPr lang="en-US" dirty="0" err="1" smtClean="0"/>
-              <a:t>todo</a:t>
-            </a:r>
-            <a:r>
-              <a:rPr lang="en-US" dirty="0" smtClean="0"/>
-              <a:t> el </a:t>
-            </a:r>
-            <a:r>
-              <a:rPr lang="en-US" dirty="0" err="1" smtClean="0"/>
-              <a:t>procesamiento</a:t>
+              <a:t>los</a:t>
+            </a:r>
+            <a:r>
+              <a:rPr lang="en-US" dirty="0" smtClean="0"/>
+              <a:t> </a:t>
+            </a:r>
+            <a:r>
+              <a:rPr lang="en-US" dirty="0" err="1" smtClean="0"/>
+              <a:t>metodos</a:t>
+            </a:r>
+            <a:r>
+              <a:rPr lang="en-US" dirty="0" smtClean="0"/>
+              <a:t> para </a:t>
+            </a:r>
+            <a:r>
+              <a:rPr lang="en-US" dirty="0" err="1" smtClean="0"/>
+              <a:t>procesar</a:t>
+            </a:r>
+            <a:r>
+              <a:rPr lang="en-US" dirty="0" smtClean="0"/>
+              <a:t> </a:t>
+            </a:r>
+            <a:r>
+              <a:rPr lang="en-US" dirty="0" err="1" smtClean="0"/>
+              <a:t>los</a:t>
+            </a:r>
+            <a:r>
+              <a:rPr lang="en-US" dirty="0" smtClean="0"/>
+              <a:t> </a:t>
+            </a:r>
+            <a:r>
+              <a:rPr lang="en-US" dirty="0" err="1" smtClean="0"/>
+              <a:t>textos</a:t>
             </a:r>
             <a:r>
               <a:rPr lang="en-US" dirty="0" smtClean="0"/>
@@ -3157,27 +3175,15 @@
             </a:r>
             <a:r>
               <a:rPr lang="en-US" dirty="0" err="1" smtClean="0"/>
-              <a:t>textos</a:t>
-            </a:r>
-            <a:r>
-              <a:rPr lang="en-US" dirty="0" smtClean="0"/>
-              <a:t> de </a:t>
-            </a:r>
-            <a:r>
-              <a:rPr lang="en-US" dirty="0" err="1" smtClean="0"/>
-              <a:t>los</a:t>
+              <a:t>documentos</a:t>
             </a:r>
             <a:r>
               <a:rPr lang="en-US" dirty="0" smtClean="0"/>
               <a:t> </a:t>
             </a:r>
             <a:r>
-              <a:rPr lang="en-US" dirty="0" err="1" smtClean="0"/>
-              <a:t>documentos</a:t>
-            </a:r>
-            <a:r>
-              <a:rPr lang="en-US" dirty="0" smtClean="0"/>
-              <a:t> para </a:t>
+              <a:rPr lang="en-US" dirty="0" smtClean="0"/>
+              <a:t>y </a:t>
             </a:r>
             <a:r>
               <a:rPr lang="en-US" dirty="0" err="1" smtClean="0"/>
@@ -3249,7 +3255,15 @@
             </a:r>
             <a:r>
               <a:rPr lang="es-ES" dirty="0" smtClean="0"/>
-              <a:t>calcular el peso de cada palabra de la búsqueda del usuario, y la similitud de coseno para calcular el score de cada documento según su relevancia.</a:t>
+              <a:t>obtener</a:t>
+            </a:r>
+            <a:r>
+              <a:rPr lang="es-ES" dirty="0" smtClean="0"/>
+              <a:t> </a:t>
+            </a:r>
+            <a:r>
+              <a:rPr lang="es-ES" dirty="0" smtClean="0"/>
+              <a:t>el peso de cada palabra de la búsqueda del usuario, y la similitud de coseno para calcular el score de cada documento según su relevancia.</a:t>
             </a:r>
             <a:endParaRPr lang="en-US" dirty="0"/>
           </a:p>
@@ -3458,6 +3472,30 @@
             <a:r>
               <a:rPr lang="en-US" dirty="0" err="1" smtClean="0"/>
               <a:t>clase</a:t>
+            </a:r>
+            <a:r>
+              <a:rPr lang="en-US" dirty="0" smtClean="0"/>
+              <a:t> que </a:t>
+            </a:r>
+            <a:r>
+              <a:rPr lang="en-US" dirty="0" err="1" smtClean="0"/>
+              <a:t>contiene</a:t>
+            </a:r>
+            <a:r>
+              <a:rPr lang="en-US" dirty="0" smtClean="0"/>
+              <a:t> </a:t>
+            </a:r>
+            <a:r>
+              <a:rPr lang="en-US" dirty="0" err="1" smtClean="0"/>
+              <a:t>los</a:t>
+            </a:r>
+            <a:r>
+              <a:rPr lang="en-US" dirty="0" smtClean="0"/>
+              <a:t> m</a:t>
+            </a:r>
+            <a:r>
+              <a:rPr lang="es-ES" dirty="0" err="1" smtClean="0"/>
+              <a:t>étodos</a:t>
             </a:r>
             <a:r>
               <a:rPr lang="en-US" dirty="0" smtClean="0"/>
@@ -4727,15 +4765,35 @@
             </a:r>
             <a:r>
               <a:rPr lang="en-US" dirty="0" smtClean="0"/>
+              <a:t> de la </a:t>
+            </a:r>
+            <a:r>
+              <a:rPr lang="en-US" dirty="0" err="1" smtClean="0"/>
+              <a:t>clase</a:t>
+            </a:r>
+            <a:r>
+              <a:rPr lang="en-US" dirty="0" smtClean="0"/>
               <a:t> </a:t>
             </a:r>
             <a:r>
-              <a:rPr lang="en-US" dirty="0" smtClean="0"/>
-              <a:t>de la </a:t>
-            </a:r>
-            <a:r>
-              <a:rPr lang="en-US" dirty="0" err="1" smtClean="0"/>
-              <a:t>clase</a:t>
+              <a:rPr lang="en-US" dirty="0" err="1" smtClean="0"/>
+              <a:t>Busqueda</a:t>
+            </a:r>
+            <a:r>
+              <a:rPr lang="en-US" dirty="0" smtClean="0"/>
+              <a:t>, y 	</a:t>
+            </a:r>
+            <a:r>
+              <a:rPr lang="en-US" dirty="0" err="1" smtClean="0"/>
+              <a:t>después</a:t>
+            </a:r>
+            <a:r>
+              <a:rPr lang="en-US" dirty="0" smtClean="0"/>
+              <a:t>, </a:t>
+            </a:r>
+            <a:r>
+              <a:rPr lang="en-US" dirty="0" err="1" smtClean="0"/>
+              <a:t>utilizando</a:t>
             </a:r>
             <a:r>
               <a:rPr lang="en-US" dirty="0" smtClean="0"/>
@@ -4743,23 +4801,7 @@
             </a:r>
             <a:r>
               <a:rPr lang="en-US" dirty="0" err="1" smtClean="0"/>
-              <a:t>Busqueda</a:t>
-            </a:r>
-            <a:r>
-              <a:rPr lang="en-US" dirty="0" smtClean="0"/>
-              <a:t>, y 	</a:t>
-            </a:r>
-            <a:r>
-              <a:rPr lang="en-US" dirty="0" err="1" smtClean="0"/>
-              <a:t>después</a:t>
-            </a:r>
-            <a:r>
-              <a:rPr lang="en-US" dirty="0" smtClean="0"/>
-              <a:t>, </a:t>
-            </a:r>
-            <a:r>
-              <a:rPr lang="en-US" dirty="0" err="1" smtClean="0"/>
-              <a:t>utilizando</a:t>
+              <a:t>los</a:t>
             </a:r>
             <a:r>
               <a:rPr lang="en-US" dirty="0" smtClean="0"/>
@@ -4767,23 +4809,11 @@
             </a:r>
             <a:r>
               <a:rPr lang="en-US" dirty="0" err="1" smtClean="0"/>
-              <a:t>los</a:t>
-            </a:r>
-            <a:r>
-              <a:rPr lang="en-US" dirty="0" smtClean="0"/>
-              <a:t> </a:t>
-            </a:r>
-            <a:r>
-              <a:rPr lang="en-US" dirty="0" err="1" smtClean="0"/>
               <a:t>métodos</a:t>
             </a:r>
             <a:r>
               <a:rPr lang="en-US" dirty="0" smtClean="0"/>
-              <a:t> </a:t>
-            </a:r>
-            <a:r>
-              <a:rPr lang="en-US" dirty="0" smtClean="0"/>
-              <a:t>de la </a:t>
+              <a:t> de la </a:t>
             </a:r>
             <a:r>
               <a:rPr lang="en-US" dirty="0" err="1" smtClean="0"/>
@@ -4859,9 +4889,14 @@
           </a:bodyPr>
           <a:lstStyle/>
           <a:p>
-            <a:r>
-              <a:rPr lang="en-US" dirty="0" smtClean="0"/>
-              <a:t>2.2	</a:t>
+            <a:pPr algn="ctr"/>
+            <a:r>
+              <a:rPr lang="en-US" dirty="0" smtClean="0"/>
+              <a:t>2.2</a:t>
+            </a:r>
+            <a:r>
+              <a:rPr lang="en-US" dirty="0" smtClean="0"/>
+              <a:t>	</a:t>
             </a:r>
             <a:r>
               <a:rPr lang="en-US" dirty="0" err="1" smtClean="0"/>
@@ -4933,7 +4968,19 @@
             </a:r>
             <a:r>
               <a:rPr lang="en-US" dirty="0" smtClean="0"/>
-              <a:t> la similitude 	de </a:t>
+              <a:t> la </a:t>
+            </a:r>
+            <a:r>
+              <a:rPr lang="en-US" dirty="0" err="1" smtClean="0"/>
+              <a:t>similitud</a:t>
+            </a:r>
+            <a:r>
+              <a:rPr lang="en-US" dirty="0" smtClean="0"/>
+              <a:t> </a:t>
+            </a:r>
+            <a:r>
+              <a:rPr lang="en-US" dirty="0" smtClean="0"/>
+              <a:t>	de </a:t>
             </a:r>
             <a:r>
               <a:rPr lang="en-US" dirty="0" err="1" smtClean="0"/>
@@ -4965,19 +5012,27 @@
             </a:r>
             <a:r>
               <a:rPr lang="en-US" dirty="0" smtClean="0"/>
+              <a:t> un score a </a:t>
+            </a:r>
+            <a:r>
+              <a:rPr lang="en-US" dirty="0" err="1" smtClean="0"/>
+              <a:t>cada</a:t>
+            </a:r>
+            <a:r>
+              <a:rPr lang="en-US" dirty="0" smtClean="0"/>
               <a:t> </a:t>
             </a:r>
             <a:r>
-              <a:rPr lang="en-US" dirty="0" smtClean="0"/>
-              <a:t>un score a </a:t>
-            </a:r>
-            <a:r>
-              <a:rPr lang="en-US" dirty="0" err="1" smtClean="0"/>
-              <a:t>cada</a:t>
-            </a:r>
-            <a:r>
-              <a:rPr lang="en-US" dirty="0" smtClean="0"/>
-              <a:t> document y </a:t>
+              <a:rPr lang="en-US" dirty="0" err="1" smtClean="0"/>
+              <a:t>documento</a:t>
+            </a:r>
+            <a:r>
+              <a:rPr lang="en-US" dirty="0" smtClean="0"/>
+              <a:t> </a:t>
+            </a:r>
+            <a:r>
+              <a:rPr lang="en-US" dirty="0" smtClean="0"/>
+              <a:t>y </a:t>
             </a:r>
             <a:r>
               <a:rPr lang="en-US" dirty="0" err="1" smtClean="0"/>
@@ -4993,10 +5048,12 @@
             </a:r>
             <a:r>
               <a:rPr lang="en-US" dirty="0" smtClean="0"/>
-              <a:t> de</a:t>
-            </a:r>
-          </a:p>
-          <a:p>
+              <a:t> </a:t>
+            </a:r>
+            <a:r>
+              <a:rPr lang="en-US" dirty="0" smtClean="0"/>
+              <a:t>de</a:t>
+            </a:r>
             <a:endParaRPr lang="en-US" dirty="0"/>
           </a:p>
           <a:p>
@@ -5607,19 +5664,7 @@
           <a:p>
             <a:r>
               <a:rPr lang="es-ES" dirty="0" smtClean="0"/>
-              <a:t>2.5	</a:t>
-            </a:r>
-            <a:r>
-              <a:rPr lang="es-ES" dirty="0" smtClean="0"/>
-              <a:t>Después </a:t>
-            </a:r>
-            <a:r>
-              <a:rPr lang="es-ES" dirty="0" smtClean="0"/>
-              <a:t>se ordenan los documentos y se da como resultado un máximo de 5 documentos, y además la	sugerencia, que es lo que devuelve el </a:t>
-            </a:r>
-            <a:r>
-              <a:rPr lang="es-ES" dirty="0" smtClean="0"/>
-              <a:t>método </a:t>
+              <a:t>2.5	Después se ordenan los documentos y se da como resultado un máximo de 5 documentos, y además la	sugerencia, que es lo que devuelve el método </a:t>
             </a:r>
             <a:r>
               <a:rPr lang="es-ES" dirty="0" err="1" smtClean="0"/>
@@ -5965,938 +6010,6 @@
 </p:sld>
 </file>
 
-<file path=ppt/slides/slide4.xml><?xml version="1.0" encoding="utf-8"?>
-<p:sld xmlns:a="http://schemas.openxmlformats.org/drawingml/2006/main" xmlns:r="http://schemas.openxmlformats.org/officeDocument/2006/relationships" xmlns:p="http://schemas.openxmlformats.org/presentationml/2006/main">
-  <p:cSld>
-    <p:spTree>
-      <p:nvGrpSpPr>
-        <p:cNvPr id="1" name=""/>
-        <p:cNvGrpSpPr/>
-        <p:nvPr/>
-      </p:nvGrpSpPr>
-      <p:grpSpPr>
-        <a:xfrm>
-          <a:off x="0" y="0"/>
-          <a:ext cx="0" cy="0"/>
-          <a:chOff x="0" y="0"/>
-          <a:chExt cx="0" cy="0"/>
-        </a:xfrm>
-      </p:grpSpPr>
-      <p:sp>
-        <p:nvSpPr>
-          <p:cNvPr id="4" name="TextBox 3"/>
-          <p:cNvSpPr txBox="1"/>
-          <p:nvPr/>
-        </p:nvSpPr>
-        <p:spPr>
-          <a:xfrm>
-            <a:off x="484632" y="274320"/>
-            <a:ext cx="11563807" cy="369332"/>
-          </a:xfrm>
-          <a:prstGeom prst="rect">
-            <a:avLst/>
-          </a:prstGeom>
-          <a:noFill/>
-        </p:spPr>
-        <p:txBody>
-          <a:bodyPr wrap="none" rtlCol="0">
-            <a:spAutoFit/>
-          </a:bodyPr>
-          <a:lstStyle/>
-          <a:p>
-            <a:r>
-              <a:rPr lang="es-ES" dirty="0" smtClean="0"/>
-              <a:t>Ahora siguiendo la misma </a:t>
-            </a:r>
-            <a:r>
-              <a:rPr lang="es-ES" dirty="0" err="1" smtClean="0"/>
-              <a:t>consecutividad</a:t>
-            </a:r>
-            <a:r>
-              <a:rPr lang="es-ES" dirty="0" smtClean="0"/>
-              <a:t> en que se van ejecutando los métodos explicaré el funcionamiento de cada uno</a:t>
-            </a:r>
-            <a:endParaRPr lang="en-US" dirty="0"/>
-          </a:p>
-        </p:txBody>
-      </p:sp>
-      <p:sp>
-        <p:nvSpPr>
-          <p:cNvPr id="5" name="TextBox 4"/>
-          <p:cNvSpPr txBox="1"/>
-          <p:nvPr/>
-        </p:nvSpPr>
-        <p:spPr>
-          <a:xfrm>
-            <a:off x="548640" y="1271016"/>
-            <a:ext cx="11499799" cy="369332"/>
-          </a:xfrm>
-          <a:prstGeom prst="rect">
-            <a:avLst/>
-          </a:prstGeom>
-          <a:noFill/>
-        </p:spPr>
-        <p:txBody>
-          <a:bodyPr wrap="square" rtlCol="0">
-            <a:spAutoFit/>
-          </a:bodyPr>
-          <a:lstStyle/>
-          <a:p>
-            <a:r>
-              <a:rPr lang="es-ES" dirty="0" smtClean="0"/>
-              <a:t>Cuando se esta ejecutando el proyecto se pone en funcionamiento </a:t>
-            </a:r>
-            <a:r>
-              <a:rPr lang="es-ES" dirty="0" err="1" smtClean="0"/>
-              <a:t>Main</a:t>
-            </a:r>
-            <a:r>
-              <a:rPr lang="es-ES" dirty="0" smtClean="0"/>
-              <a:t>, que es un método de la clase Inicio que</a:t>
-            </a:r>
-            <a:r>
-              <a:rPr lang="en-US" dirty="0" smtClean="0"/>
-              <a:t>:</a:t>
-            </a:r>
-            <a:endParaRPr lang="en-US" dirty="0"/>
-          </a:p>
-        </p:txBody>
-      </p:sp>
-      <p:sp>
-        <p:nvSpPr>
-          <p:cNvPr id="6" name="TextBox 5"/>
-          <p:cNvSpPr txBox="1"/>
-          <p:nvPr/>
-        </p:nvSpPr>
-        <p:spPr>
-          <a:xfrm>
-            <a:off x="1365350" y="794528"/>
-            <a:ext cx="10320681" cy="369332"/>
-          </a:xfrm>
-          <a:prstGeom prst="rect">
-            <a:avLst/>
-          </a:prstGeom>
-          <a:noFill/>
-        </p:spPr>
-        <p:txBody>
-          <a:bodyPr wrap="square" rtlCol="0">
-            <a:spAutoFit/>
-          </a:bodyPr>
-          <a:lstStyle/>
-          <a:p>
-            <a:r>
-              <a:rPr lang="es-ES" dirty="0" smtClean="0"/>
-              <a:t>Todos los métodos y clases con que vamos a trabajar a continuación están en el </a:t>
-            </a:r>
-            <a:r>
-              <a:rPr lang="es-ES" dirty="0" err="1" smtClean="0"/>
-              <a:t>namespace</a:t>
-            </a:r>
-            <a:r>
-              <a:rPr lang="es-ES" dirty="0" smtClean="0"/>
-              <a:t> </a:t>
-            </a:r>
-            <a:r>
-              <a:rPr lang="es-ES" dirty="0" err="1" smtClean="0"/>
-              <a:t>MoogleEngine</a:t>
-            </a:r>
-            <a:endParaRPr lang="en-US" dirty="0"/>
-          </a:p>
-        </p:txBody>
-      </p:sp>
-      <p:sp>
-        <p:nvSpPr>
-          <p:cNvPr id="7" name="TextBox 6"/>
-          <p:cNvSpPr txBox="1"/>
-          <p:nvPr/>
-        </p:nvSpPr>
-        <p:spPr>
-          <a:xfrm>
-            <a:off x="773887" y="2355580"/>
-            <a:ext cx="11274552" cy="1477328"/>
-          </a:xfrm>
-          <a:prstGeom prst="rect">
-            <a:avLst/>
-          </a:prstGeom>
-          <a:noFill/>
-        </p:spPr>
-        <p:txBody>
-          <a:bodyPr wrap="square" rtlCol="0">
-            <a:spAutoFit/>
-          </a:bodyPr>
-          <a:lstStyle/>
-          <a:p>
-            <a:pPr marL="342900" indent="-342900">
-              <a:buAutoNum type="arabicPeriod"/>
-            </a:pPr>
-            <a:r>
-              <a:rPr lang="es-ES" dirty="0" smtClean="0"/>
-              <a:t>Guarda en un </a:t>
-            </a:r>
-            <a:r>
-              <a:rPr lang="es-ES" dirty="0" err="1" smtClean="0"/>
-              <a:t>string</a:t>
-            </a:r>
-            <a:r>
-              <a:rPr lang="es-ES" dirty="0" smtClean="0"/>
-              <a:t> el </a:t>
-            </a:r>
-            <a:r>
-              <a:rPr lang="es-ES" dirty="0" err="1" smtClean="0"/>
-              <a:t>path</a:t>
-            </a:r>
-            <a:r>
-              <a:rPr lang="es-ES" dirty="0" smtClean="0"/>
-              <a:t> de la carpeta donde se ejecuta la clase Inicio, pues como </a:t>
-            </a:r>
-            <a:r>
-              <a:rPr lang="es-ES" dirty="0" smtClean="0">
-                <a:solidFill>
-                  <a:srgbClr val="FF0000"/>
-                </a:solidFill>
-              </a:rPr>
-              <a:t>el proyecto tiene que estar guardado en la carpeta </a:t>
-            </a:r>
-            <a:r>
-              <a:rPr lang="en-US" dirty="0" err="1" smtClean="0">
-                <a:solidFill>
-                  <a:srgbClr val="FF0000"/>
-                </a:solidFill>
-              </a:rPr>
-              <a:t>moogle</a:t>
-            </a:r>
-            <a:r>
-              <a:rPr lang="en-US" dirty="0" smtClean="0">
-                <a:solidFill>
-                  <a:srgbClr val="FF0000"/>
-                </a:solidFill>
-              </a:rPr>
-              <a:t>-main, </a:t>
-            </a:r>
-            <a:r>
-              <a:rPr lang="en-US" dirty="0" smtClean="0"/>
-              <a:t>ese path</a:t>
-            </a:r>
-            <a:r>
-              <a:rPr lang="es-ES" dirty="0" smtClean="0"/>
-              <a:t> siempre va a tener la forma </a:t>
-            </a:r>
-          </a:p>
-          <a:p>
-            <a:endParaRPr lang="es-ES" dirty="0"/>
-          </a:p>
-          <a:p>
-            <a:r>
-              <a:rPr lang="en-US" dirty="0" smtClean="0"/>
-              <a:t>(…)\</a:t>
-            </a:r>
-            <a:r>
-              <a:rPr lang="en-US" dirty="0" err="1" smtClean="0"/>
-              <a:t>moogle</a:t>
-            </a:r>
-            <a:r>
-              <a:rPr lang="en-US" dirty="0" smtClean="0"/>
-              <a:t>-main\</a:t>
-            </a:r>
-            <a:r>
-              <a:rPr lang="en-US" dirty="0" err="1" smtClean="0"/>
-              <a:t>MoogleEngine</a:t>
-            </a:r>
-            <a:endParaRPr lang="en-US" dirty="0" smtClean="0"/>
-          </a:p>
-          <a:p>
-            <a:endParaRPr lang="en-US" dirty="0"/>
-          </a:p>
-        </p:txBody>
-      </p:sp>
-      <p:sp>
-        <p:nvSpPr>
-          <p:cNvPr id="8" name="TextBox 7"/>
-          <p:cNvSpPr txBox="1"/>
-          <p:nvPr/>
-        </p:nvSpPr>
-        <p:spPr>
-          <a:xfrm>
-            <a:off x="1463040" y="1898380"/>
-            <a:ext cx="9216754" cy="369332"/>
-          </a:xfrm>
-          <a:prstGeom prst="rect">
-            <a:avLst/>
-          </a:prstGeom>
-          <a:noFill/>
-        </p:spPr>
-        <p:txBody>
-          <a:bodyPr wrap="none" rtlCol="0">
-            <a:spAutoFit/>
-          </a:bodyPr>
-          <a:lstStyle/>
-          <a:p>
-            <a:r>
-              <a:rPr lang="en-US" dirty="0" err="1" smtClean="0"/>
-              <a:t>Primeramente</a:t>
-            </a:r>
-            <a:r>
-              <a:rPr lang="en-US" dirty="0" smtClean="0"/>
-              <a:t> </a:t>
-            </a:r>
-            <a:r>
-              <a:rPr lang="en-US" dirty="0" err="1" smtClean="0"/>
-              <a:t>va</a:t>
-            </a:r>
-            <a:r>
-              <a:rPr lang="en-US" dirty="0" smtClean="0"/>
-              <a:t> a </a:t>
-            </a:r>
-            <a:r>
-              <a:rPr lang="en-US" dirty="0" err="1" smtClean="0"/>
-              <a:t>buscar</a:t>
-            </a:r>
-            <a:r>
-              <a:rPr lang="en-US" dirty="0" smtClean="0"/>
-              <a:t> el path de la </a:t>
-            </a:r>
-            <a:r>
-              <a:rPr lang="en-US" dirty="0" err="1" smtClean="0"/>
-              <a:t>carpeta</a:t>
-            </a:r>
-            <a:r>
-              <a:rPr lang="en-US" dirty="0" smtClean="0"/>
-              <a:t> Content </a:t>
-            </a:r>
-            <a:r>
-              <a:rPr lang="en-US" dirty="0" err="1" smtClean="0"/>
-              <a:t>donde</a:t>
-            </a:r>
-            <a:r>
-              <a:rPr lang="en-US" dirty="0" smtClean="0"/>
-              <a:t> </a:t>
-            </a:r>
-            <a:r>
-              <a:rPr lang="en-US" dirty="0" err="1" smtClean="0"/>
-              <a:t>están</a:t>
-            </a:r>
-            <a:r>
-              <a:rPr lang="en-US" dirty="0" smtClean="0"/>
-              <a:t> </a:t>
-            </a:r>
-            <a:r>
-              <a:rPr lang="en-US" dirty="0" err="1" smtClean="0"/>
-              <a:t>todos</a:t>
-            </a:r>
-            <a:r>
-              <a:rPr lang="en-US" dirty="0" smtClean="0"/>
-              <a:t> </a:t>
-            </a:r>
-            <a:r>
-              <a:rPr lang="en-US" dirty="0" err="1" smtClean="0"/>
-              <a:t>los</a:t>
-            </a:r>
-            <a:r>
-              <a:rPr lang="en-US" dirty="0" smtClean="0"/>
-              <a:t> </a:t>
-            </a:r>
-            <a:r>
-              <a:rPr lang="en-US" dirty="0" err="1" smtClean="0"/>
-              <a:t>documentos</a:t>
-            </a:r>
-            <a:r>
-              <a:rPr lang="en-US" dirty="0" smtClean="0"/>
-              <a:t> .txt</a:t>
-            </a:r>
-            <a:endParaRPr lang="en-US" dirty="0"/>
-          </a:p>
-        </p:txBody>
-      </p:sp>
-      <p:sp>
-        <p:nvSpPr>
-          <p:cNvPr id="10" name="TextBox 9"/>
-          <p:cNvSpPr txBox="1"/>
-          <p:nvPr/>
-        </p:nvSpPr>
-        <p:spPr>
-          <a:xfrm>
-            <a:off x="2615184" y="3812620"/>
-            <a:ext cx="7196842" cy="923330"/>
-          </a:xfrm>
-          <a:prstGeom prst="rect">
-            <a:avLst/>
-          </a:prstGeom>
-          <a:noFill/>
-        </p:spPr>
-        <p:txBody>
-          <a:bodyPr wrap="none" rtlCol="0">
-            <a:spAutoFit/>
-          </a:bodyPr>
-          <a:lstStyle/>
-          <a:p>
-            <a:r>
-              <a:rPr lang="en-US" dirty="0" smtClean="0"/>
-              <a:t>Y </a:t>
-            </a:r>
-            <a:r>
-              <a:rPr lang="en-US" dirty="0" err="1" smtClean="0"/>
-              <a:t>nos</a:t>
-            </a:r>
-            <a:r>
-              <a:rPr lang="en-US" dirty="0" smtClean="0"/>
-              <a:t> </a:t>
-            </a:r>
-            <a:r>
-              <a:rPr lang="en-US" dirty="0" err="1" smtClean="0"/>
-              <a:t>sirve</a:t>
-            </a:r>
-            <a:r>
-              <a:rPr lang="en-US" dirty="0" smtClean="0"/>
-              <a:t> </a:t>
-            </a:r>
-            <a:r>
-              <a:rPr lang="en-US" dirty="0" err="1" smtClean="0"/>
-              <a:t>porque</a:t>
-            </a:r>
-            <a:r>
-              <a:rPr lang="en-US" dirty="0" smtClean="0"/>
-              <a:t> el path a la </a:t>
-            </a:r>
-            <a:r>
-              <a:rPr lang="en-US" dirty="0" err="1" smtClean="0"/>
-              <a:t>carpeta</a:t>
-            </a:r>
-            <a:r>
-              <a:rPr lang="en-US" dirty="0" smtClean="0"/>
-              <a:t> Content </a:t>
-            </a:r>
-            <a:r>
-              <a:rPr lang="en-US" dirty="0" err="1" smtClean="0"/>
-              <a:t>siempre</a:t>
-            </a:r>
-            <a:r>
-              <a:rPr lang="en-US" dirty="0" smtClean="0"/>
-              <a:t> </a:t>
-            </a:r>
-            <a:r>
-              <a:rPr lang="en-US" dirty="0" err="1" smtClean="0"/>
-              <a:t>va</a:t>
-            </a:r>
-            <a:r>
-              <a:rPr lang="en-US" dirty="0" smtClean="0"/>
-              <a:t> a </a:t>
-            </a:r>
-            <a:r>
-              <a:rPr lang="en-US" dirty="0" err="1" smtClean="0"/>
-              <a:t>tener</a:t>
-            </a:r>
-            <a:r>
-              <a:rPr lang="en-US" dirty="0" smtClean="0"/>
-              <a:t> la forma:</a:t>
-            </a:r>
-          </a:p>
-          <a:p>
-            <a:endParaRPr lang="en-US" dirty="0"/>
-          </a:p>
-          <a:p>
-            <a:r>
-              <a:rPr lang="en-US" dirty="0" smtClean="0"/>
-              <a:t>(…)\</a:t>
-            </a:r>
-            <a:r>
-              <a:rPr lang="en-US" dirty="0" err="1" smtClean="0"/>
-              <a:t>moogle</a:t>
-            </a:r>
-            <a:r>
-              <a:rPr lang="en-US" dirty="0" smtClean="0"/>
-              <a:t>-main\Content</a:t>
-            </a:r>
-            <a:endParaRPr lang="en-US" dirty="0"/>
-          </a:p>
-        </p:txBody>
-      </p:sp>
-    </p:spTree>
-    <p:extLst>
-      <p:ext uri="{BB962C8B-B14F-4D97-AF65-F5344CB8AC3E}">
-        <p14:creationId xmlns:p14="http://schemas.microsoft.com/office/powerpoint/2010/main" val="3759761055"/>
-      </p:ext>
-    </p:extLst>
-  </p:cSld>
-  <p:clrMapOvr>
-    <a:masterClrMapping/>
-  </p:clrMapOvr>
-  <p:timing>
-    <p:tnLst>
-      <p:par>
-        <p:cTn id="1" dur="indefinite" restart="never" nodeType="tmRoot"/>
-      </p:par>
-    </p:tnLst>
-  </p:timing>
-</p:sld>
-</file>
-
-<file path=ppt/slides/slide5.xml><?xml version="1.0" encoding="utf-8"?>
-<p:sld xmlns:a="http://schemas.openxmlformats.org/drawingml/2006/main" xmlns:r="http://schemas.openxmlformats.org/officeDocument/2006/relationships" xmlns:p="http://schemas.openxmlformats.org/presentationml/2006/main">
-  <p:cSld>
-    <p:spTree>
-      <p:nvGrpSpPr>
-        <p:cNvPr id="1" name=""/>
-        <p:cNvGrpSpPr/>
-        <p:nvPr/>
-      </p:nvGrpSpPr>
-      <p:grpSpPr>
-        <a:xfrm>
-          <a:off x="0" y="0"/>
-          <a:ext cx="0" cy="0"/>
-          <a:chOff x="0" y="0"/>
-          <a:chExt cx="0" cy="0"/>
-        </a:xfrm>
-      </p:grpSpPr>
-      <p:sp>
-        <p:nvSpPr>
-          <p:cNvPr id="4" name="TextBox 3"/>
-          <p:cNvSpPr txBox="1"/>
-          <p:nvPr/>
-        </p:nvSpPr>
-        <p:spPr>
-          <a:xfrm>
-            <a:off x="893473" y="1316094"/>
-            <a:ext cx="11115751" cy="3970318"/>
-          </a:xfrm>
-          <a:prstGeom prst="rect">
-            <a:avLst/>
-          </a:prstGeom>
-          <a:noFill/>
-        </p:spPr>
-        <p:txBody>
-          <a:bodyPr wrap="square" rtlCol="0">
-            <a:spAutoFit/>
-          </a:bodyPr>
-          <a:lstStyle/>
-          <a:p>
-            <a:r>
-              <a:rPr lang="en-US" dirty="0" smtClean="0"/>
-              <a:t>2. </a:t>
-            </a:r>
-            <a:r>
-              <a:rPr lang="en-US" dirty="0" err="1" smtClean="0"/>
-              <a:t>Entonces</a:t>
-            </a:r>
-            <a:r>
-              <a:rPr lang="en-US" dirty="0" smtClean="0"/>
-              <a:t> lo </a:t>
-            </a:r>
-            <a:r>
-              <a:rPr lang="en-US" dirty="0" err="1" smtClean="0"/>
-              <a:t>próximo</a:t>
-            </a:r>
-            <a:r>
-              <a:rPr lang="en-US" dirty="0" smtClean="0"/>
-              <a:t> </a:t>
-            </a:r>
-            <a:r>
-              <a:rPr lang="en-US" dirty="0" smtClean="0"/>
-              <a:t>que </a:t>
-            </a:r>
-            <a:r>
-              <a:rPr lang="en-US" dirty="0" err="1" smtClean="0"/>
-              <a:t>hacemos</a:t>
-            </a:r>
-            <a:r>
-              <a:rPr lang="en-US" dirty="0" smtClean="0"/>
-              <a:t> </a:t>
-            </a:r>
-            <a:r>
-              <a:rPr lang="en-US" dirty="0" err="1" smtClean="0"/>
-              <a:t>es</a:t>
-            </a:r>
-            <a:r>
-              <a:rPr lang="en-US" dirty="0" smtClean="0"/>
-              <a:t> con el m</a:t>
-            </a:r>
-            <a:r>
-              <a:rPr lang="es-ES" dirty="0" smtClean="0"/>
-              <a:t>é</a:t>
-            </a:r>
-            <a:r>
-              <a:rPr lang="en-US" dirty="0" err="1" smtClean="0"/>
-              <a:t>todo</a:t>
-            </a:r>
-            <a:r>
-              <a:rPr lang="en-US" dirty="0" smtClean="0"/>
-              <a:t> .</a:t>
-            </a:r>
-            <a:r>
-              <a:rPr lang="en-US" dirty="0" err="1" smtClean="0"/>
-              <a:t>ToPath</a:t>
-            </a:r>
-            <a:r>
-              <a:rPr lang="en-US" dirty="0" smtClean="0"/>
-              <a:t> de la </a:t>
-            </a:r>
-            <a:r>
-              <a:rPr lang="en-US" dirty="0" err="1" smtClean="0"/>
-              <a:t>clase</a:t>
-            </a:r>
-            <a:r>
-              <a:rPr lang="en-US" dirty="0" smtClean="0"/>
-              <a:t> </a:t>
-            </a:r>
-            <a:r>
-              <a:rPr lang="en-US" dirty="0" err="1" smtClean="0"/>
-              <a:t>ModVec</a:t>
-            </a:r>
-            <a:r>
-              <a:rPr lang="en-US" dirty="0" smtClean="0"/>
-              <a:t> </a:t>
-            </a:r>
-            <a:r>
-              <a:rPr lang="en-US" dirty="0" err="1" smtClean="0"/>
-              <a:t>creamos</a:t>
-            </a:r>
-            <a:r>
-              <a:rPr lang="en-US" dirty="0" smtClean="0"/>
-              <a:t> el path a la </a:t>
-            </a:r>
-            <a:r>
-              <a:rPr lang="en-US" dirty="0" err="1" smtClean="0"/>
-              <a:t>carpeta</a:t>
-            </a:r>
-            <a:r>
-              <a:rPr lang="en-US" dirty="0" smtClean="0"/>
-              <a:t> Content, a </a:t>
-            </a:r>
-            <a:r>
-              <a:rPr lang="en-US" dirty="0" err="1" smtClean="0"/>
-              <a:t>partir</a:t>
-            </a:r>
-            <a:r>
-              <a:rPr lang="en-US" dirty="0" smtClean="0"/>
-              <a:t> del path </a:t>
-            </a:r>
-            <a:r>
-              <a:rPr lang="en-US" dirty="0" err="1" smtClean="0"/>
-              <a:t>buscado</a:t>
-            </a:r>
-            <a:r>
-              <a:rPr lang="en-US" dirty="0" smtClean="0"/>
-              <a:t> </a:t>
-            </a:r>
-            <a:r>
-              <a:rPr lang="en-US" dirty="0" err="1" smtClean="0"/>
-              <a:t>anteriormente</a:t>
-            </a:r>
-            <a:r>
-              <a:rPr lang="en-US" dirty="0" smtClean="0"/>
-              <a:t>.</a:t>
-            </a:r>
-          </a:p>
-          <a:p>
-            <a:r>
-              <a:rPr lang="en-US" dirty="0" smtClean="0"/>
-              <a:t>	- </a:t>
-            </a:r>
-            <a:r>
-              <a:rPr lang="en-US" dirty="0" err="1" smtClean="0"/>
-              <a:t>Buscamos</a:t>
-            </a:r>
-            <a:r>
-              <a:rPr lang="en-US" dirty="0" smtClean="0"/>
-              <a:t> la ultima </a:t>
-            </a:r>
-            <a:r>
-              <a:rPr lang="en-US" dirty="0" err="1" smtClean="0"/>
-              <a:t>vez</a:t>
-            </a:r>
-            <a:r>
-              <a:rPr lang="en-US" dirty="0" smtClean="0"/>
-              <a:t> que </a:t>
-            </a:r>
-            <a:r>
-              <a:rPr lang="en-US" dirty="0" err="1" smtClean="0"/>
-              <a:t>aparece</a:t>
-            </a:r>
-            <a:r>
-              <a:rPr lang="en-US" dirty="0" smtClean="0"/>
-              <a:t> </a:t>
-            </a:r>
-            <a:r>
-              <a:rPr lang="en-US" dirty="0" err="1" smtClean="0"/>
-              <a:t>moogle</a:t>
-            </a:r>
-            <a:r>
-              <a:rPr lang="en-US" dirty="0" smtClean="0"/>
-              <a:t>-main\ con </a:t>
-            </a:r>
-            <a:r>
-              <a:rPr lang="en-US" dirty="0" err="1" smtClean="0"/>
-              <a:t>LastIndex</a:t>
-            </a:r>
-            <a:r>
-              <a:rPr lang="en-US" dirty="0" smtClean="0"/>
-              <a:t>, le </a:t>
-            </a:r>
-            <a:r>
-              <a:rPr lang="en-US" dirty="0" err="1" smtClean="0"/>
-              <a:t>sumamos</a:t>
-            </a:r>
-            <a:r>
-              <a:rPr lang="en-US" dirty="0" smtClean="0"/>
-              <a:t> 12 a la </a:t>
-            </a:r>
-            <a:r>
-              <a:rPr lang="en-US" dirty="0" err="1" smtClean="0"/>
-              <a:t>posicion</a:t>
-            </a:r>
-            <a:r>
-              <a:rPr lang="en-US" dirty="0" smtClean="0"/>
-              <a:t> </a:t>
-            </a:r>
-            <a:r>
-              <a:rPr lang="en-US" dirty="0" err="1" smtClean="0"/>
-              <a:t>pues</a:t>
-            </a:r>
-            <a:r>
-              <a:rPr lang="en-US" dirty="0" smtClean="0"/>
-              <a:t> </a:t>
-            </a:r>
-            <a:r>
-              <a:rPr lang="en-US" dirty="0" err="1" smtClean="0"/>
-              <a:t>moogle</a:t>
-            </a:r>
-            <a:r>
-              <a:rPr lang="en-US" dirty="0" smtClean="0"/>
-              <a:t>-main\ son 12 </a:t>
-            </a:r>
-            <a:r>
-              <a:rPr lang="en-US" dirty="0" err="1" smtClean="0"/>
-              <a:t>caracteres</a:t>
-            </a:r>
-            <a:r>
-              <a:rPr lang="en-US" dirty="0" smtClean="0"/>
-              <a:t>, para que </a:t>
-            </a:r>
-            <a:r>
-              <a:rPr lang="en-US" dirty="0" err="1" smtClean="0"/>
-              <a:t>nos</a:t>
-            </a:r>
-            <a:r>
-              <a:rPr lang="en-US" dirty="0" smtClean="0"/>
-              <a:t> </a:t>
-            </a:r>
-            <a:r>
-              <a:rPr lang="en-US" dirty="0" err="1" smtClean="0"/>
-              <a:t>quede</a:t>
-            </a:r>
-            <a:r>
-              <a:rPr lang="en-US" dirty="0" smtClean="0"/>
-              <a:t> </a:t>
-            </a:r>
-            <a:r>
-              <a:rPr lang="en-US" dirty="0" err="1" smtClean="0"/>
-              <a:t>justo</a:t>
-            </a:r>
-            <a:r>
-              <a:rPr lang="en-US" dirty="0" smtClean="0"/>
-              <a:t> </a:t>
-            </a:r>
-            <a:r>
-              <a:rPr lang="en-US" dirty="0" err="1" smtClean="0"/>
-              <a:t>en</a:t>
-            </a:r>
-            <a:r>
-              <a:rPr lang="en-US" dirty="0" smtClean="0"/>
-              <a:t> el \ de </a:t>
-            </a:r>
-            <a:r>
-              <a:rPr lang="en-US" dirty="0" err="1" smtClean="0"/>
-              <a:t>moogle</a:t>
-            </a:r>
-            <a:r>
-              <a:rPr lang="en-US" dirty="0" smtClean="0"/>
-              <a:t>-main</a:t>
-            </a:r>
-          </a:p>
-          <a:p>
-            <a:r>
-              <a:rPr lang="es-ES" dirty="0" smtClean="0"/>
-              <a:t>		</a:t>
-            </a:r>
-          </a:p>
-          <a:p>
-            <a:r>
-              <a:rPr lang="en-US" dirty="0" smtClean="0"/>
-              <a:t>		</a:t>
-            </a:r>
-          </a:p>
-          <a:p>
-            <a:r>
-              <a:rPr lang="en-US" dirty="0"/>
-              <a:t>	</a:t>
-            </a:r>
-            <a:r>
-              <a:rPr lang="en-US" dirty="0" smtClean="0"/>
-              <a:t>	</a:t>
-            </a:r>
-            <a:r>
-              <a:rPr lang="en-US" dirty="0" smtClean="0">
-                <a:solidFill>
-                  <a:srgbClr val="C00000"/>
-                </a:solidFill>
-              </a:rPr>
-              <a:t>(…)\</a:t>
-            </a:r>
-            <a:r>
-              <a:rPr lang="en-US" dirty="0" err="1" smtClean="0">
-                <a:solidFill>
-                  <a:srgbClr val="C00000"/>
-                </a:solidFill>
-              </a:rPr>
-              <a:t>moogle</a:t>
-            </a:r>
-            <a:r>
-              <a:rPr lang="en-US" dirty="0" smtClean="0">
-                <a:solidFill>
-                  <a:srgbClr val="C00000"/>
-                </a:solidFill>
-              </a:rPr>
-              <a:t>-main\</a:t>
-            </a:r>
-            <a:r>
-              <a:rPr lang="en-US" dirty="0" err="1" smtClean="0"/>
-              <a:t>MoogleEngine</a:t>
-            </a:r>
-            <a:endParaRPr lang="en-US" dirty="0" smtClean="0"/>
-          </a:p>
-          <a:p>
-            <a:endParaRPr lang="en-US" dirty="0" smtClean="0"/>
-          </a:p>
-          <a:p>
-            <a:r>
-              <a:rPr lang="en-US" dirty="0" smtClean="0"/>
-              <a:t>	- Y con Substring </a:t>
-            </a:r>
-            <a:r>
-              <a:rPr lang="en-US" dirty="0" err="1" smtClean="0"/>
-              <a:t>guardamos</a:t>
-            </a:r>
-            <a:r>
-              <a:rPr lang="en-US" dirty="0" smtClean="0"/>
-              <a:t> un string con el </a:t>
-            </a:r>
-            <a:r>
-              <a:rPr lang="en-US" dirty="0" err="1" smtClean="0"/>
-              <a:t>texto</a:t>
-            </a:r>
-            <a:r>
-              <a:rPr lang="en-US" dirty="0" smtClean="0"/>
-              <a:t> </a:t>
-            </a:r>
-            <a:r>
-              <a:rPr lang="en-US" dirty="0" err="1" smtClean="0"/>
-              <a:t>desde</a:t>
-            </a:r>
-            <a:r>
-              <a:rPr lang="en-US" dirty="0" smtClean="0"/>
-              <a:t> el </a:t>
-            </a:r>
-            <a:r>
-              <a:rPr lang="en-US" dirty="0" err="1" smtClean="0"/>
-              <a:t>inicio</a:t>
-            </a:r>
-            <a:r>
-              <a:rPr lang="en-US" dirty="0" smtClean="0"/>
-              <a:t> hasta </a:t>
-            </a:r>
-            <a:r>
-              <a:rPr lang="en-US" dirty="0" err="1" smtClean="0"/>
-              <a:t>esa</a:t>
-            </a:r>
-            <a:r>
-              <a:rPr lang="en-US" dirty="0" smtClean="0"/>
-              <a:t> </a:t>
-            </a:r>
-            <a:r>
-              <a:rPr lang="en-US" dirty="0" err="1" smtClean="0"/>
-              <a:t>posicion</a:t>
-            </a:r>
-            <a:r>
-              <a:rPr lang="en-US" dirty="0" smtClean="0"/>
-              <a:t> y le </a:t>
-            </a:r>
-            <a:r>
-              <a:rPr lang="en-US" dirty="0" err="1" smtClean="0"/>
-              <a:t>concatenamos</a:t>
-            </a:r>
-            <a:r>
-              <a:rPr lang="en-US" dirty="0" smtClean="0"/>
-              <a:t> Content</a:t>
-            </a:r>
-          </a:p>
-          <a:p>
-            <a:endParaRPr lang="es-ES" dirty="0"/>
-          </a:p>
-          <a:p>
-            <a:endParaRPr lang="es-ES" dirty="0" smtClean="0"/>
-          </a:p>
-          <a:p>
-            <a:r>
-              <a:rPr lang="es-ES" dirty="0"/>
-              <a:t>	</a:t>
-            </a:r>
-            <a:r>
-              <a:rPr lang="es-ES" dirty="0" smtClean="0"/>
-              <a:t>	</a:t>
-            </a:r>
-            <a:r>
-              <a:rPr lang="en-US" dirty="0" smtClean="0">
-                <a:solidFill>
-                  <a:srgbClr val="C00000"/>
-                </a:solidFill>
-              </a:rPr>
-              <a:t>(…)\</a:t>
-            </a:r>
-            <a:r>
-              <a:rPr lang="en-US" dirty="0" err="1" smtClean="0">
-                <a:solidFill>
-                  <a:srgbClr val="C00000"/>
-                </a:solidFill>
-              </a:rPr>
-              <a:t>moogle</a:t>
-            </a:r>
-            <a:r>
-              <a:rPr lang="en-US" dirty="0" smtClean="0">
-                <a:solidFill>
-                  <a:srgbClr val="C00000"/>
-                </a:solidFill>
-              </a:rPr>
-              <a:t>-main\</a:t>
-            </a:r>
-            <a:r>
-              <a:rPr lang="en-US" dirty="0" smtClean="0"/>
-              <a:t>Content</a:t>
-            </a:r>
-          </a:p>
-          <a:p>
-            <a:endParaRPr lang="en-US" dirty="0"/>
-          </a:p>
-        </p:txBody>
-      </p:sp>
-    </p:spTree>
-    <p:extLst>
-      <p:ext uri="{BB962C8B-B14F-4D97-AF65-F5344CB8AC3E}">
-        <p14:creationId xmlns:p14="http://schemas.microsoft.com/office/powerpoint/2010/main" val="820146114"/>
-      </p:ext>
-    </p:extLst>
-  </p:cSld>
-  <p:clrMapOvr>
-    <a:masterClrMapping/>
-  </p:clrMapOvr>
-  <p:timing>
-    <p:tnLst>
-      <p:par>
-        <p:cTn id="1" dur="indefinite" restart="never" nodeType="tmRoot"/>
-      </p:par>
-    </p:tnLst>
-  </p:timing>
-</p:sld>
-</file>
-
 <file path=ppt/theme/theme1.xml><?xml version="1.0" encoding="utf-8"?>
 <a:theme xmlns:a="http://schemas.openxmlformats.org/drawingml/2006/main" name="Office Theme">
   <a:themeElements>
